--- a/ppt 16-9/1215.新年祝福.pptx
+++ b/ppt 16-9/1215.新年祝福.pptx
@@ -5,7 +5,7 @@
     <p:sldMasterId id="2147483648" r:id="rId1"/>
   </p:sldMasterIdLst>
   <p:sldIdLst>
-    <p:sldId id="745" r:id="rId2"/>
+    <p:sldId id="746" r:id="rId2"/>
   </p:sldIdLst>
   <p:sldSz cx="12192000" cy="6858000"/>
   <p:notesSz cx="6858000" cy="9144000"/>
@@ -129,7 +129,7 @@
           <p:cNvPr id="2" name="标题 1">
             <a:extLst>
               <a:ext uri="{FF2B5EF4-FFF2-40B4-BE49-F238E27FC236}">
-                <a16:creationId xmlns:a16="http://schemas.microsoft.com/office/drawing/2014/main" id="{7A56328A-19DE-0866-CF38-1F1AA8D4DD2D}"/>
+                <a16:creationId xmlns:a16="http://schemas.microsoft.com/office/drawing/2014/main" id="{DD7CBB3C-4A97-3A5F-6E5C-B65399ED7D36}"/>
               </a:ext>
             </a:extLst>
           </p:cNvPr>
@@ -166,7 +166,7 @@
           <p:cNvPr id="3" name="副标题 2">
             <a:extLst>
               <a:ext uri="{FF2B5EF4-FFF2-40B4-BE49-F238E27FC236}">
-                <a16:creationId xmlns:a16="http://schemas.microsoft.com/office/drawing/2014/main" id="{39180473-0C24-3209-2CC5-A3EACB06AE65}"/>
+                <a16:creationId xmlns:a16="http://schemas.microsoft.com/office/drawing/2014/main" id="{9743D0D1-9A80-BB59-AF34-FB1DE4F511CE}"/>
               </a:ext>
             </a:extLst>
           </p:cNvPr>
@@ -236,7 +236,7 @@
           <p:cNvPr id="4" name="日期占位符 3">
             <a:extLst>
               <a:ext uri="{FF2B5EF4-FFF2-40B4-BE49-F238E27FC236}">
-                <a16:creationId xmlns:a16="http://schemas.microsoft.com/office/drawing/2014/main" id="{BBC2050F-8BD2-001F-2118-06174D2FBB9F}"/>
+                <a16:creationId xmlns:a16="http://schemas.microsoft.com/office/drawing/2014/main" id="{B5292093-2943-0519-4343-059E5304361C}"/>
               </a:ext>
             </a:extLst>
           </p:cNvPr>
@@ -252,7 +252,7 @@
           <a:bodyPr/>
           <a:lstStyle/>
           <a:p>
-            <a:fld id="{C7ABE610-924F-4F3A-BC3A-9CDAAA44E2AB}" type="datetimeFigureOut">
+            <a:fld id="{8AA75975-A17A-45E3-ACB4-EF7C03E424E7}" type="datetimeFigureOut">
               <a:rPr lang="zh-CN" altLang="en-US" smtClean="0"/>
               <a:t>2024/3/10</a:t>
             </a:fld>
@@ -265,7 +265,7 @@
           <p:cNvPr id="5" name="页脚占位符 4">
             <a:extLst>
               <a:ext uri="{FF2B5EF4-FFF2-40B4-BE49-F238E27FC236}">
-                <a16:creationId xmlns:a16="http://schemas.microsoft.com/office/drawing/2014/main" id="{E43239EC-17CA-5151-2D2D-D2DC5072B897}"/>
+                <a16:creationId xmlns:a16="http://schemas.microsoft.com/office/drawing/2014/main" id="{37B4023E-DA48-00A3-AF45-C727364C238A}"/>
               </a:ext>
             </a:extLst>
           </p:cNvPr>
@@ -290,7 +290,7 @@
           <p:cNvPr id="6" name="灯片编号占位符 5">
             <a:extLst>
               <a:ext uri="{FF2B5EF4-FFF2-40B4-BE49-F238E27FC236}">
-                <a16:creationId xmlns:a16="http://schemas.microsoft.com/office/drawing/2014/main" id="{C34F9F01-96E5-D6A5-8BF4-38567B3C2CAC}"/>
+                <a16:creationId xmlns:a16="http://schemas.microsoft.com/office/drawing/2014/main" id="{33D85EEF-BF49-F79B-E947-D8723762616B}"/>
               </a:ext>
             </a:extLst>
           </p:cNvPr>
@@ -306,7 +306,7 @@
           <a:bodyPr/>
           <a:lstStyle/>
           <a:p>
-            <a:fld id="{F057175E-A750-45DA-9320-D2E135444B51}" type="slidenum">
+            <a:fld id="{84C3C9A1-F329-4E2A-BB9D-E238246D92A0}" type="slidenum">
               <a:rPr lang="zh-CN" altLang="en-US" smtClean="0"/>
               <a:t>‹#›</a:t>
             </a:fld>
@@ -317,7 +317,7 @@
     </p:spTree>
     <p:extLst>
       <p:ext uri="{BB962C8B-B14F-4D97-AF65-F5344CB8AC3E}">
-        <p14:creationId xmlns:p14="http://schemas.microsoft.com/office/powerpoint/2010/main" val="2360840858"/>
+        <p14:creationId xmlns:p14="http://schemas.microsoft.com/office/powerpoint/2010/main" val="744328604"/>
       </p:ext>
     </p:extLst>
   </p:cSld>
@@ -349,7 +349,7 @@
           <p:cNvPr id="2" name="标题 1">
             <a:extLst>
               <a:ext uri="{FF2B5EF4-FFF2-40B4-BE49-F238E27FC236}">
-                <a16:creationId xmlns:a16="http://schemas.microsoft.com/office/drawing/2014/main" id="{0FB5DAB8-FAAE-191E-496A-24AED535FF8E}"/>
+                <a16:creationId xmlns:a16="http://schemas.microsoft.com/office/drawing/2014/main" id="{DDC46524-1A1C-7186-F384-1F490895DFC7}"/>
               </a:ext>
             </a:extLst>
           </p:cNvPr>
@@ -377,7 +377,7 @@
           <p:cNvPr id="3" name="竖排文字占位符 2">
             <a:extLst>
               <a:ext uri="{FF2B5EF4-FFF2-40B4-BE49-F238E27FC236}">
-                <a16:creationId xmlns:a16="http://schemas.microsoft.com/office/drawing/2014/main" id="{B12EA8BC-2D76-4CD0-B45C-985C31CCEC9F}"/>
+                <a16:creationId xmlns:a16="http://schemas.microsoft.com/office/drawing/2014/main" id="{704A3ECC-DACF-4C12-17EF-1172E87B359A}"/>
               </a:ext>
             </a:extLst>
           </p:cNvPr>
@@ -434,7 +434,7 @@
           <p:cNvPr id="4" name="日期占位符 3">
             <a:extLst>
               <a:ext uri="{FF2B5EF4-FFF2-40B4-BE49-F238E27FC236}">
-                <a16:creationId xmlns:a16="http://schemas.microsoft.com/office/drawing/2014/main" id="{47FCD5BE-A6A3-6A59-80F4-AC7BC72DD917}"/>
+                <a16:creationId xmlns:a16="http://schemas.microsoft.com/office/drawing/2014/main" id="{6B900DF8-F3EF-3993-6C91-BF2D697573D0}"/>
               </a:ext>
             </a:extLst>
           </p:cNvPr>
@@ -450,7 +450,7 @@
           <a:bodyPr/>
           <a:lstStyle/>
           <a:p>
-            <a:fld id="{C7ABE610-924F-4F3A-BC3A-9CDAAA44E2AB}" type="datetimeFigureOut">
+            <a:fld id="{8AA75975-A17A-45E3-ACB4-EF7C03E424E7}" type="datetimeFigureOut">
               <a:rPr lang="zh-CN" altLang="en-US" smtClean="0"/>
               <a:t>2024/3/10</a:t>
             </a:fld>
@@ -463,7 +463,7 @@
           <p:cNvPr id="5" name="页脚占位符 4">
             <a:extLst>
               <a:ext uri="{FF2B5EF4-FFF2-40B4-BE49-F238E27FC236}">
-                <a16:creationId xmlns:a16="http://schemas.microsoft.com/office/drawing/2014/main" id="{F8142ABA-EE05-145F-01F7-3ADAB72D9AF6}"/>
+                <a16:creationId xmlns:a16="http://schemas.microsoft.com/office/drawing/2014/main" id="{494A55D4-F407-B1D3-B7B4-444EC42353FE}"/>
               </a:ext>
             </a:extLst>
           </p:cNvPr>
@@ -488,7 +488,7 @@
           <p:cNvPr id="6" name="灯片编号占位符 5">
             <a:extLst>
               <a:ext uri="{FF2B5EF4-FFF2-40B4-BE49-F238E27FC236}">
-                <a16:creationId xmlns:a16="http://schemas.microsoft.com/office/drawing/2014/main" id="{ABD619A8-F619-57A8-D12E-AC5D698F4CE2}"/>
+                <a16:creationId xmlns:a16="http://schemas.microsoft.com/office/drawing/2014/main" id="{C18B3840-8391-BF48-5AEC-2388376BE15B}"/>
               </a:ext>
             </a:extLst>
           </p:cNvPr>
@@ -504,7 +504,7 @@
           <a:bodyPr/>
           <a:lstStyle/>
           <a:p>
-            <a:fld id="{F057175E-A750-45DA-9320-D2E135444B51}" type="slidenum">
+            <a:fld id="{84C3C9A1-F329-4E2A-BB9D-E238246D92A0}" type="slidenum">
               <a:rPr lang="zh-CN" altLang="en-US" smtClean="0"/>
               <a:t>‹#›</a:t>
             </a:fld>
@@ -515,7 +515,7 @@
     </p:spTree>
     <p:extLst>
       <p:ext uri="{BB962C8B-B14F-4D97-AF65-F5344CB8AC3E}">
-        <p14:creationId xmlns:p14="http://schemas.microsoft.com/office/powerpoint/2010/main" val="2580512017"/>
+        <p14:creationId xmlns:p14="http://schemas.microsoft.com/office/powerpoint/2010/main" val="2927410652"/>
       </p:ext>
     </p:extLst>
   </p:cSld>
@@ -547,7 +547,7 @@
           <p:cNvPr id="2" name="竖排标题 1">
             <a:extLst>
               <a:ext uri="{FF2B5EF4-FFF2-40B4-BE49-F238E27FC236}">
-                <a16:creationId xmlns:a16="http://schemas.microsoft.com/office/drawing/2014/main" id="{D9911077-1D54-98D7-F46B-9783DDD2B1F5}"/>
+                <a16:creationId xmlns:a16="http://schemas.microsoft.com/office/drawing/2014/main" id="{7DFFFC44-87ED-879D-5F7A-D4BBCC9A9D98}"/>
               </a:ext>
             </a:extLst>
           </p:cNvPr>
@@ -580,7 +580,7 @@
           <p:cNvPr id="3" name="竖排文字占位符 2">
             <a:extLst>
               <a:ext uri="{FF2B5EF4-FFF2-40B4-BE49-F238E27FC236}">
-                <a16:creationId xmlns:a16="http://schemas.microsoft.com/office/drawing/2014/main" id="{78CCCB1B-3507-5EF0-E639-61FA99ECBF8B}"/>
+                <a16:creationId xmlns:a16="http://schemas.microsoft.com/office/drawing/2014/main" id="{B42360A2-E5B5-BE08-D57B-ECC68EEE5AD7}"/>
               </a:ext>
             </a:extLst>
           </p:cNvPr>
@@ -642,7 +642,7 @@
           <p:cNvPr id="4" name="日期占位符 3">
             <a:extLst>
               <a:ext uri="{FF2B5EF4-FFF2-40B4-BE49-F238E27FC236}">
-                <a16:creationId xmlns:a16="http://schemas.microsoft.com/office/drawing/2014/main" id="{F07CAA25-EE02-182F-4FDF-B5380E1C3B8C}"/>
+                <a16:creationId xmlns:a16="http://schemas.microsoft.com/office/drawing/2014/main" id="{E0D13855-3901-45E7-977B-EF03F4C1FB99}"/>
               </a:ext>
             </a:extLst>
           </p:cNvPr>
@@ -658,7 +658,7 @@
           <a:bodyPr/>
           <a:lstStyle/>
           <a:p>
-            <a:fld id="{C7ABE610-924F-4F3A-BC3A-9CDAAA44E2AB}" type="datetimeFigureOut">
+            <a:fld id="{8AA75975-A17A-45E3-ACB4-EF7C03E424E7}" type="datetimeFigureOut">
               <a:rPr lang="zh-CN" altLang="en-US" smtClean="0"/>
               <a:t>2024/3/10</a:t>
             </a:fld>
@@ -671,7 +671,7 @@
           <p:cNvPr id="5" name="页脚占位符 4">
             <a:extLst>
               <a:ext uri="{FF2B5EF4-FFF2-40B4-BE49-F238E27FC236}">
-                <a16:creationId xmlns:a16="http://schemas.microsoft.com/office/drawing/2014/main" id="{CF0BC0A9-C8D8-8103-581A-404EB6AFCBB4}"/>
+                <a16:creationId xmlns:a16="http://schemas.microsoft.com/office/drawing/2014/main" id="{5523ECB9-5F01-7BA8-DBE2-0F7813B48EEA}"/>
               </a:ext>
             </a:extLst>
           </p:cNvPr>
@@ -696,7 +696,7 @@
           <p:cNvPr id="6" name="灯片编号占位符 5">
             <a:extLst>
               <a:ext uri="{FF2B5EF4-FFF2-40B4-BE49-F238E27FC236}">
-                <a16:creationId xmlns:a16="http://schemas.microsoft.com/office/drawing/2014/main" id="{842C34D3-8DC5-2481-2C4D-E6A435BB7048}"/>
+                <a16:creationId xmlns:a16="http://schemas.microsoft.com/office/drawing/2014/main" id="{B7A41FD3-4857-2788-C33F-DDD40D675259}"/>
               </a:ext>
             </a:extLst>
           </p:cNvPr>
@@ -712,7 +712,7 @@
           <a:bodyPr/>
           <a:lstStyle/>
           <a:p>
-            <a:fld id="{F057175E-A750-45DA-9320-D2E135444B51}" type="slidenum">
+            <a:fld id="{84C3C9A1-F329-4E2A-BB9D-E238246D92A0}" type="slidenum">
               <a:rPr lang="zh-CN" altLang="en-US" smtClean="0"/>
               <a:t>‹#›</a:t>
             </a:fld>
@@ -723,7 +723,7 @@
     </p:spTree>
     <p:extLst>
       <p:ext uri="{BB962C8B-B14F-4D97-AF65-F5344CB8AC3E}">
-        <p14:creationId xmlns:p14="http://schemas.microsoft.com/office/powerpoint/2010/main" val="416401393"/>
+        <p14:creationId xmlns:p14="http://schemas.microsoft.com/office/powerpoint/2010/main" val="2407140608"/>
       </p:ext>
     </p:extLst>
   </p:cSld>
@@ -755,7 +755,7 @@
           <p:cNvPr id="2" name="标题 1">
             <a:extLst>
               <a:ext uri="{FF2B5EF4-FFF2-40B4-BE49-F238E27FC236}">
-                <a16:creationId xmlns:a16="http://schemas.microsoft.com/office/drawing/2014/main" id="{33284C77-9223-0644-EBA7-25AED99A0719}"/>
+                <a16:creationId xmlns:a16="http://schemas.microsoft.com/office/drawing/2014/main" id="{10D9212B-5AE6-6C96-503B-37969265D8BD}"/>
               </a:ext>
             </a:extLst>
           </p:cNvPr>
@@ -783,7 +783,7 @@
           <p:cNvPr id="3" name="内容占位符 2">
             <a:extLst>
               <a:ext uri="{FF2B5EF4-FFF2-40B4-BE49-F238E27FC236}">
-                <a16:creationId xmlns:a16="http://schemas.microsoft.com/office/drawing/2014/main" id="{66663780-9EE9-BD2C-38CF-EEDF955B87FA}"/>
+                <a16:creationId xmlns:a16="http://schemas.microsoft.com/office/drawing/2014/main" id="{0DE8828B-213B-E7BD-78A4-6BD6F23004D2}"/>
               </a:ext>
             </a:extLst>
           </p:cNvPr>
@@ -840,7 +840,7 @@
           <p:cNvPr id="4" name="日期占位符 3">
             <a:extLst>
               <a:ext uri="{FF2B5EF4-FFF2-40B4-BE49-F238E27FC236}">
-                <a16:creationId xmlns:a16="http://schemas.microsoft.com/office/drawing/2014/main" id="{13AD106A-34DC-61A0-B057-8C39C61E2887}"/>
+                <a16:creationId xmlns:a16="http://schemas.microsoft.com/office/drawing/2014/main" id="{AC74451C-2C8A-02E5-76D4-8DD6A2DDE8EA}"/>
               </a:ext>
             </a:extLst>
           </p:cNvPr>
@@ -856,7 +856,7 @@
           <a:bodyPr/>
           <a:lstStyle/>
           <a:p>
-            <a:fld id="{C7ABE610-924F-4F3A-BC3A-9CDAAA44E2AB}" type="datetimeFigureOut">
+            <a:fld id="{8AA75975-A17A-45E3-ACB4-EF7C03E424E7}" type="datetimeFigureOut">
               <a:rPr lang="zh-CN" altLang="en-US" smtClean="0"/>
               <a:t>2024/3/10</a:t>
             </a:fld>
@@ -869,7 +869,7 @@
           <p:cNvPr id="5" name="页脚占位符 4">
             <a:extLst>
               <a:ext uri="{FF2B5EF4-FFF2-40B4-BE49-F238E27FC236}">
-                <a16:creationId xmlns:a16="http://schemas.microsoft.com/office/drawing/2014/main" id="{E6339268-C7DC-E579-F4E7-CBA531A6AED7}"/>
+                <a16:creationId xmlns:a16="http://schemas.microsoft.com/office/drawing/2014/main" id="{229ED4A0-D707-B24D-30C6-E96E86CB7179}"/>
               </a:ext>
             </a:extLst>
           </p:cNvPr>
@@ -894,7 +894,7 @@
           <p:cNvPr id="6" name="灯片编号占位符 5">
             <a:extLst>
               <a:ext uri="{FF2B5EF4-FFF2-40B4-BE49-F238E27FC236}">
-                <a16:creationId xmlns:a16="http://schemas.microsoft.com/office/drawing/2014/main" id="{F438BA44-0354-4FE6-0430-5676AD336CB2}"/>
+                <a16:creationId xmlns:a16="http://schemas.microsoft.com/office/drawing/2014/main" id="{82D1C368-5BDF-57F7-DD0D-88AB0D1D5C70}"/>
               </a:ext>
             </a:extLst>
           </p:cNvPr>
@@ -910,7 +910,7 @@
           <a:bodyPr/>
           <a:lstStyle/>
           <a:p>
-            <a:fld id="{F057175E-A750-45DA-9320-D2E135444B51}" type="slidenum">
+            <a:fld id="{84C3C9A1-F329-4E2A-BB9D-E238246D92A0}" type="slidenum">
               <a:rPr lang="zh-CN" altLang="en-US" smtClean="0"/>
               <a:t>‹#›</a:t>
             </a:fld>
@@ -921,7 +921,7 @@
     </p:spTree>
     <p:extLst>
       <p:ext uri="{BB962C8B-B14F-4D97-AF65-F5344CB8AC3E}">
-        <p14:creationId xmlns:p14="http://schemas.microsoft.com/office/powerpoint/2010/main" val="519600521"/>
+        <p14:creationId xmlns:p14="http://schemas.microsoft.com/office/powerpoint/2010/main" val="1188035245"/>
       </p:ext>
     </p:extLst>
   </p:cSld>
@@ -953,7 +953,7 @@
           <p:cNvPr id="2" name="标题 1">
             <a:extLst>
               <a:ext uri="{FF2B5EF4-FFF2-40B4-BE49-F238E27FC236}">
-                <a16:creationId xmlns:a16="http://schemas.microsoft.com/office/drawing/2014/main" id="{871D02C5-A4C5-4338-EBDF-91F178BA2442}"/>
+                <a16:creationId xmlns:a16="http://schemas.microsoft.com/office/drawing/2014/main" id="{54EC096C-D8FD-1F59-1AB6-B2E3BB846279}"/>
               </a:ext>
             </a:extLst>
           </p:cNvPr>
@@ -990,7 +990,7 @@
           <p:cNvPr id="3" name="文本占位符 2">
             <a:extLst>
               <a:ext uri="{FF2B5EF4-FFF2-40B4-BE49-F238E27FC236}">
-                <a16:creationId xmlns:a16="http://schemas.microsoft.com/office/drawing/2014/main" id="{C8B7D8CA-B2A3-571D-76B4-82F227768C2B}"/>
+                <a16:creationId xmlns:a16="http://schemas.microsoft.com/office/drawing/2014/main" id="{D8EA6854-3D47-34D4-BB41-9E7F01F1FE6B}"/>
               </a:ext>
             </a:extLst>
           </p:cNvPr>
@@ -1115,7 +1115,7 @@
           <p:cNvPr id="4" name="日期占位符 3">
             <a:extLst>
               <a:ext uri="{FF2B5EF4-FFF2-40B4-BE49-F238E27FC236}">
-                <a16:creationId xmlns:a16="http://schemas.microsoft.com/office/drawing/2014/main" id="{F1216DC6-DA66-B2DD-F1C1-84CB0E37E15A}"/>
+                <a16:creationId xmlns:a16="http://schemas.microsoft.com/office/drawing/2014/main" id="{D5B6B427-2372-561C-B314-B60C689A21B1}"/>
               </a:ext>
             </a:extLst>
           </p:cNvPr>
@@ -1131,7 +1131,7 @@
           <a:bodyPr/>
           <a:lstStyle/>
           <a:p>
-            <a:fld id="{C7ABE610-924F-4F3A-BC3A-9CDAAA44E2AB}" type="datetimeFigureOut">
+            <a:fld id="{8AA75975-A17A-45E3-ACB4-EF7C03E424E7}" type="datetimeFigureOut">
               <a:rPr lang="zh-CN" altLang="en-US" smtClean="0"/>
               <a:t>2024/3/10</a:t>
             </a:fld>
@@ -1144,7 +1144,7 @@
           <p:cNvPr id="5" name="页脚占位符 4">
             <a:extLst>
               <a:ext uri="{FF2B5EF4-FFF2-40B4-BE49-F238E27FC236}">
-                <a16:creationId xmlns:a16="http://schemas.microsoft.com/office/drawing/2014/main" id="{0D61C857-2687-D068-D8ED-DF5363415CA7}"/>
+                <a16:creationId xmlns:a16="http://schemas.microsoft.com/office/drawing/2014/main" id="{D011B468-D2FB-B762-1682-2A147058F744}"/>
               </a:ext>
             </a:extLst>
           </p:cNvPr>
@@ -1169,7 +1169,7 @@
           <p:cNvPr id="6" name="灯片编号占位符 5">
             <a:extLst>
               <a:ext uri="{FF2B5EF4-FFF2-40B4-BE49-F238E27FC236}">
-                <a16:creationId xmlns:a16="http://schemas.microsoft.com/office/drawing/2014/main" id="{004E14E5-554A-98EE-831D-623A1463CD06}"/>
+                <a16:creationId xmlns:a16="http://schemas.microsoft.com/office/drawing/2014/main" id="{26AC8444-EB16-DA8F-B78E-54FD9F77E532}"/>
               </a:ext>
             </a:extLst>
           </p:cNvPr>
@@ -1185,7 +1185,7 @@
           <a:bodyPr/>
           <a:lstStyle/>
           <a:p>
-            <a:fld id="{F057175E-A750-45DA-9320-D2E135444B51}" type="slidenum">
+            <a:fld id="{84C3C9A1-F329-4E2A-BB9D-E238246D92A0}" type="slidenum">
               <a:rPr lang="zh-CN" altLang="en-US" smtClean="0"/>
               <a:t>‹#›</a:t>
             </a:fld>
@@ -1196,7 +1196,7 @@
     </p:spTree>
     <p:extLst>
       <p:ext uri="{BB962C8B-B14F-4D97-AF65-F5344CB8AC3E}">
-        <p14:creationId xmlns:p14="http://schemas.microsoft.com/office/powerpoint/2010/main" val="1964808681"/>
+        <p14:creationId xmlns:p14="http://schemas.microsoft.com/office/powerpoint/2010/main" val="826983830"/>
       </p:ext>
     </p:extLst>
   </p:cSld>
@@ -1228,7 +1228,7 @@
           <p:cNvPr id="2" name="标题 1">
             <a:extLst>
               <a:ext uri="{FF2B5EF4-FFF2-40B4-BE49-F238E27FC236}">
-                <a16:creationId xmlns:a16="http://schemas.microsoft.com/office/drawing/2014/main" id="{EA2BEC62-B22C-BCC0-3AEF-E153C7BE33E1}"/>
+                <a16:creationId xmlns:a16="http://schemas.microsoft.com/office/drawing/2014/main" id="{DC437541-3F8A-ED4B-1D27-91FBEE3453A2}"/>
               </a:ext>
             </a:extLst>
           </p:cNvPr>
@@ -1256,7 +1256,7 @@
           <p:cNvPr id="3" name="内容占位符 2">
             <a:extLst>
               <a:ext uri="{FF2B5EF4-FFF2-40B4-BE49-F238E27FC236}">
-                <a16:creationId xmlns:a16="http://schemas.microsoft.com/office/drawing/2014/main" id="{C9592DCE-6627-520C-E3AD-641C7826E9B7}"/>
+                <a16:creationId xmlns:a16="http://schemas.microsoft.com/office/drawing/2014/main" id="{A06E0CB0-6EB2-5675-917F-CC43A497A27D}"/>
               </a:ext>
             </a:extLst>
           </p:cNvPr>
@@ -1318,7 +1318,7 @@
           <p:cNvPr id="4" name="内容占位符 3">
             <a:extLst>
               <a:ext uri="{FF2B5EF4-FFF2-40B4-BE49-F238E27FC236}">
-                <a16:creationId xmlns:a16="http://schemas.microsoft.com/office/drawing/2014/main" id="{91B9BEA7-678C-1D38-E472-E59310D765DB}"/>
+                <a16:creationId xmlns:a16="http://schemas.microsoft.com/office/drawing/2014/main" id="{8BD36289-4293-EFFA-29D7-F5A53C38E9C5}"/>
               </a:ext>
             </a:extLst>
           </p:cNvPr>
@@ -1380,7 +1380,7 @@
           <p:cNvPr id="5" name="日期占位符 4">
             <a:extLst>
               <a:ext uri="{FF2B5EF4-FFF2-40B4-BE49-F238E27FC236}">
-                <a16:creationId xmlns:a16="http://schemas.microsoft.com/office/drawing/2014/main" id="{0709EA1F-A758-2700-CF7C-94C189B6D102}"/>
+                <a16:creationId xmlns:a16="http://schemas.microsoft.com/office/drawing/2014/main" id="{93E18C3C-D26B-DD24-8683-36A78B5F1497}"/>
               </a:ext>
             </a:extLst>
           </p:cNvPr>
@@ -1396,7 +1396,7 @@
           <a:bodyPr/>
           <a:lstStyle/>
           <a:p>
-            <a:fld id="{C7ABE610-924F-4F3A-BC3A-9CDAAA44E2AB}" type="datetimeFigureOut">
+            <a:fld id="{8AA75975-A17A-45E3-ACB4-EF7C03E424E7}" type="datetimeFigureOut">
               <a:rPr lang="zh-CN" altLang="en-US" smtClean="0"/>
               <a:t>2024/3/10</a:t>
             </a:fld>
@@ -1409,7 +1409,7 @@
           <p:cNvPr id="6" name="页脚占位符 5">
             <a:extLst>
               <a:ext uri="{FF2B5EF4-FFF2-40B4-BE49-F238E27FC236}">
-                <a16:creationId xmlns:a16="http://schemas.microsoft.com/office/drawing/2014/main" id="{E409562D-7149-2DEE-B051-6EBC5753FD9F}"/>
+                <a16:creationId xmlns:a16="http://schemas.microsoft.com/office/drawing/2014/main" id="{E4E1CAA2-074F-03A4-97A0-9EDC5DED218F}"/>
               </a:ext>
             </a:extLst>
           </p:cNvPr>
@@ -1434,7 +1434,7 @@
           <p:cNvPr id="7" name="灯片编号占位符 6">
             <a:extLst>
               <a:ext uri="{FF2B5EF4-FFF2-40B4-BE49-F238E27FC236}">
-                <a16:creationId xmlns:a16="http://schemas.microsoft.com/office/drawing/2014/main" id="{6FFAAF1E-7DF9-2BE7-5EDF-A08EC062BD71}"/>
+                <a16:creationId xmlns:a16="http://schemas.microsoft.com/office/drawing/2014/main" id="{3A27E543-E229-B9D5-2858-6F6295BF8552}"/>
               </a:ext>
             </a:extLst>
           </p:cNvPr>
@@ -1450,7 +1450,7 @@
           <a:bodyPr/>
           <a:lstStyle/>
           <a:p>
-            <a:fld id="{F057175E-A750-45DA-9320-D2E135444B51}" type="slidenum">
+            <a:fld id="{84C3C9A1-F329-4E2A-BB9D-E238246D92A0}" type="slidenum">
               <a:rPr lang="zh-CN" altLang="en-US" smtClean="0"/>
               <a:t>‹#›</a:t>
             </a:fld>
@@ -1461,7 +1461,7 @@
     </p:spTree>
     <p:extLst>
       <p:ext uri="{BB962C8B-B14F-4D97-AF65-F5344CB8AC3E}">
-        <p14:creationId xmlns:p14="http://schemas.microsoft.com/office/powerpoint/2010/main" val="2593418653"/>
+        <p14:creationId xmlns:p14="http://schemas.microsoft.com/office/powerpoint/2010/main" val="427648263"/>
       </p:ext>
     </p:extLst>
   </p:cSld>
@@ -1493,7 +1493,7 @@
           <p:cNvPr id="2" name="标题 1">
             <a:extLst>
               <a:ext uri="{FF2B5EF4-FFF2-40B4-BE49-F238E27FC236}">
-                <a16:creationId xmlns:a16="http://schemas.microsoft.com/office/drawing/2014/main" id="{0795B4FD-B6A3-D7BA-2924-6E2A95492A89}"/>
+                <a16:creationId xmlns:a16="http://schemas.microsoft.com/office/drawing/2014/main" id="{10A5CB22-7779-91C2-F353-5BFDDEC4E7E7}"/>
               </a:ext>
             </a:extLst>
           </p:cNvPr>
@@ -1526,7 +1526,7 @@
           <p:cNvPr id="3" name="文本占位符 2">
             <a:extLst>
               <a:ext uri="{FF2B5EF4-FFF2-40B4-BE49-F238E27FC236}">
-                <a16:creationId xmlns:a16="http://schemas.microsoft.com/office/drawing/2014/main" id="{DDBCF289-FE94-5AD6-DEC5-B67F7BA8E75D}"/>
+                <a16:creationId xmlns:a16="http://schemas.microsoft.com/office/drawing/2014/main" id="{C7D6A1AB-A619-1736-6E0E-158D948EF82B}"/>
               </a:ext>
             </a:extLst>
           </p:cNvPr>
@@ -1597,7 +1597,7 @@
           <p:cNvPr id="4" name="内容占位符 3">
             <a:extLst>
               <a:ext uri="{FF2B5EF4-FFF2-40B4-BE49-F238E27FC236}">
-                <a16:creationId xmlns:a16="http://schemas.microsoft.com/office/drawing/2014/main" id="{DC81CD32-5FC8-4702-173F-90AC269092BD}"/>
+                <a16:creationId xmlns:a16="http://schemas.microsoft.com/office/drawing/2014/main" id="{8B0C5C74-FBBA-B3F0-00F1-80A49F6E713F}"/>
               </a:ext>
             </a:extLst>
           </p:cNvPr>
@@ -1659,7 +1659,7 @@
           <p:cNvPr id="5" name="文本占位符 4">
             <a:extLst>
               <a:ext uri="{FF2B5EF4-FFF2-40B4-BE49-F238E27FC236}">
-                <a16:creationId xmlns:a16="http://schemas.microsoft.com/office/drawing/2014/main" id="{65D5E2ED-5032-F6F1-EB28-91F9902A61B8}"/>
+                <a16:creationId xmlns:a16="http://schemas.microsoft.com/office/drawing/2014/main" id="{19E75511-7607-8E61-BBC2-CD6A56A4DA8D}"/>
               </a:ext>
             </a:extLst>
           </p:cNvPr>
@@ -1730,7 +1730,7 @@
           <p:cNvPr id="6" name="内容占位符 5">
             <a:extLst>
               <a:ext uri="{FF2B5EF4-FFF2-40B4-BE49-F238E27FC236}">
-                <a16:creationId xmlns:a16="http://schemas.microsoft.com/office/drawing/2014/main" id="{6E29BF42-0892-D1C0-6565-3A497F0D6D0B}"/>
+                <a16:creationId xmlns:a16="http://schemas.microsoft.com/office/drawing/2014/main" id="{661633DF-DC9D-10B0-B5B8-A96DEAFB833B}"/>
               </a:ext>
             </a:extLst>
           </p:cNvPr>
@@ -1792,7 +1792,7 @@
           <p:cNvPr id="7" name="日期占位符 6">
             <a:extLst>
               <a:ext uri="{FF2B5EF4-FFF2-40B4-BE49-F238E27FC236}">
-                <a16:creationId xmlns:a16="http://schemas.microsoft.com/office/drawing/2014/main" id="{872D06A2-1A7E-2A84-944B-213B1E03F8BA}"/>
+                <a16:creationId xmlns:a16="http://schemas.microsoft.com/office/drawing/2014/main" id="{D533595E-5F89-5170-06AA-0F7E604D5E90}"/>
               </a:ext>
             </a:extLst>
           </p:cNvPr>
@@ -1808,7 +1808,7 @@
           <a:bodyPr/>
           <a:lstStyle/>
           <a:p>
-            <a:fld id="{C7ABE610-924F-4F3A-BC3A-9CDAAA44E2AB}" type="datetimeFigureOut">
+            <a:fld id="{8AA75975-A17A-45E3-ACB4-EF7C03E424E7}" type="datetimeFigureOut">
               <a:rPr lang="zh-CN" altLang="en-US" smtClean="0"/>
               <a:t>2024/3/10</a:t>
             </a:fld>
@@ -1821,7 +1821,7 @@
           <p:cNvPr id="8" name="页脚占位符 7">
             <a:extLst>
               <a:ext uri="{FF2B5EF4-FFF2-40B4-BE49-F238E27FC236}">
-                <a16:creationId xmlns:a16="http://schemas.microsoft.com/office/drawing/2014/main" id="{46B96FD6-565B-AA7E-B1A0-64663B6FFBEF}"/>
+                <a16:creationId xmlns:a16="http://schemas.microsoft.com/office/drawing/2014/main" id="{A8213999-8B83-F999-BC2B-A3505F585D13}"/>
               </a:ext>
             </a:extLst>
           </p:cNvPr>
@@ -1846,7 +1846,7 @@
           <p:cNvPr id="9" name="灯片编号占位符 8">
             <a:extLst>
               <a:ext uri="{FF2B5EF4-FFF2-40B4-BE49-F238E27FC236}">
-                <a16:creationId xmlns:a16="http://schemas.microsoft.com/office/drawing/2014/main" id="{313D1535-4732-0A94-0623-C60F9C91BE73}"/>
+                <a16:creationId xmlns:a16="http://schemas.microsoft.com/office/drawing/2014/main" id="{8859C014-6CF9-F01F-897B-5A77DC35867F}"/>
               </a:ext>
             </a:extLst>
           </p:cNvPr>
@@ -1862,7 +1862,7 @@
           <a:bodyPr/>
           <a:lstStyle/>
           <a:p>
-            <a:fld id="{F057175E-A750-45DA-9320-D2E135444B51}" type="slidenum">
+            <a:fld id="{84C3C9A1-F329-4E2A-BB9D-E238246D92A0}" type="slidenum">
               <a:rPr lang="zh-CN" altLang="en-US" smtClean="0"/>
               <a:t>‹#›</a:t>
             </a:fld>
@@ -1873,7 +1873,7 @@
     </p:spTree>
     <p:extLst>
       <p:ext uri="{BB962C8B-B14F-4D97-AF65-F5344CB8AC3E}">
-        <p14:creationId xmlns:p14="http://schemas.microsoft.com/office/powerpoint/2010/main" val="2844423324"/>
+        <p14:creationId xmlns:p14="http://schemas.microsoft.com/office/powerpoint/2010/main" val="1164771812"/>
       </p:ext>
     </p:extLst>
   </p:cSld>
@@ -1905,7 +1905,7 @@
           <p:cNvPr id="2" name="标题 1">
             <a:extLst>
               <a:ext uri="{FF2B5EF4-FFF2-40B4-BE49-F238E27FC236}">
-                <a16:creationId xmlns:a16="http://schemas.microsoft.com/office/drawing/2014/main" id="{AF3FCDFC-97DC-0140-6AAD-176E7D624576}"/>
+                <a16:creationId xmlns:a16="http://schemas.microsoft.com/office/drawing/2014/main" id="{EAF9142B-57B4-D64C-8D8C-FBDFC6E22BAF}"/>
               </a:ext>
             </a:extLst>
           </p:cNvPr>
@@ -1933,7 +1933,7 @@
           <p:cNvPr id="3" name="日期占位符 2">
             <a:extLst>
               <a:ext uri="{FF2B5EF4-FFF2-40B4-BE49-F238E27FC236}">
-                <a16:creationId xmlns:a16="http://schemas.microsoft.com/office/drawing/2014/main" id="{3DDB3EE6-C8BF-34AC-0ECE-1B529EEC74FB}"/>
+                <a16:creationId xmlns:a16="http://schemas.microsoft.com/office/drawing/2014/main" id="{B774E251-BA6F-DC47-D8E3-0D21DDC4E396}"/>
               </a:ext>
             </a:extLst>
           </p:cNvPr>
@@ -1949,7 +1949,7 @@
           <a:bodyPr/>
           <a:lstStyle/>
           <a:p>
-            <a:fld id="{C7ABE610-924F-4F3A-BC3A-9CDAAA44E2AB}" type="datetimeFigureOut">
+            <a:fld id="{8AA75975-A17A-45E3-ACB4-EF7C03E424E7}" type="datetimeFigureOut">
               <a:rPr lang="zh-CN" altLang="en-US" smtClean="0"/>
               <a:t>2024/3/10</a:t>
             </a:fld>
@@ -1962,7 +1962,7 @@
           <p:cNvPr id="4" name="页脚占位符 3">
             <a:extLst>
               <a:ext uri="{FF2B5EF4-FFF2-40B4-BE49-F238E27FC236}">
-                <a16:creationId xmlns:a16="http://schemas.microsoft.com/office/drawing/2014/main" id="{7E2EC34F-204F-8197-4913-BEC9CF9B16F0}"/>
+                <a16:creationId xmlns:a16="http://schemas.microsoft.com/office/drawing/2014/main" id="{1F9C5DC0-7006-B517-A7DA-8483D9F6A267}"/>
               </a:ext>
             </a:extLst>
           </p:cNvPr>
@@ -1987,7 +1987,7 @@
           <p:cNvPr id="5" name="灯片编号占位符 4">
             <a:extLst>
               <a:ext uri="{FF2B5EF4-FFF2-40B4-BE49-F238E27FC236}">
-                <a16:creationId xmlns:a16="http://schemas.microsoft.com/office/drawing/2014/main" id="{1B351C56-9C64-2AEB-2B9E-C0BD1120B9DD}"/>
+                <a16:creationId xmlns:a16="http://schemas.microsoft.com/office/drawing/2014/main" id="{F4F8F0B7-6171-102A-4FD5-731D50FBC5E9}"/>
               </a:ext>
             </a:extLst>
           </p:cNvPr>
@@ -2003,7 +2003,7 @@
           <a:bodyPr/>
           <a:lstStyle/>
           <a:p>
-            <a:fld id="{F057175E-A750-45DA-9320-D2E135444B51}" type="slidenum">
+            <a:fld id="{84C3C9A1-F329-4E2A-BB9D-E238246D92A0}" type="slidenum">
               <a:rPr lang="zh-CN" altLang="en-US" smtClean="0"/>
               <a:t>‹#›</a:t>
             </a:fld>
@@ -2014,7 +2014,7 @@
     </p:spTree>
     <p:extLst>
       <p:ext uri="{BB962C8B-B14F-4D97-AF65-F5344CB8AC3E}">
-        <p14:creationId xmlns:p14="http://schemas.microsoft.com/office/powerpoint/2010/main" val="2085981779"/>
+        <p14:creationId xmlns:p14="http://schemas.microsoft.com/office/powerpoint/2010/main" val="3858168703"/>
       </p:ext>
     </p:extLst>
   </p:cSld>
@@ -2046,7 +2046,7 @@
           <p:cNvPr id="2" name="日期占位符 1">
             <a:extLst>
               <a:ext uri="{FF2B5EF4-FFF2-40B4-BE49-F238E27FC236}">
-                <a16:creationId xmlns:a16="http://schemas.microsoft.com/office/drawing/2014/main" id="{72547783-2AB9-2DF9-27A5-F16227A5F49A}"/>
+                <a16:creationId xmlns:a16="http://schemas.microsoft.com/office/drawing/2014/main" id="{48029E29-85C7-AEDA-D64E-74262C1D24B7}"/>
               </a:ext>
             </a:extLst>
           </p:cNvPr>
@@ -2062,7 +2062,7 @@
           <a:bodyPr/>
           <a:lstStyle/>
           <a:p>
-            <a:fld id="{C7ABE610-924F-4F3A-BC3A-9CDAAA44E2AB}" type="datetimeFigureOut">
+            <a:fld id="{8AA75975-A17A-45E3-ACB4-EF7C03E424E7}" type="datetimeFigureOut">
               <a:rPr lang="zh-CN" altLang="en-US" smtClean="0"/>
               <a:t>2024/3/10</a:t>
             </a:fld>
@@ -2075,7 +2075,7 @@
           <p:cNvPr id="3" name="页脚占位符 2">
             <a:extLst>
               <a:ext uri="{FF2B5EF4-FFF2-40B4-BE49-F238E27FC236}">
-                <a16:creationId xmlns:a16="http://schemas.microsoft.com/office/drawing/2014/main" id="{62EBE8C7-ADA3-66AA-ECFE-8DEBCD117842}"/>
+                <a16:creationId xmlns:a16="http://schemas.microsoft.com/office/drawing/2014/main" id="{60481035-A5F6-3A93-FE02-532D0DB781D0}"/>
               </a:ext>
             </a:extLst>
           </p:cNvPr>
@@ -2100,7 +2100,7 @@
           <p:cNvPr id="4" name="灯片编号占位符 3">
             <a:extLst>
               <a:ext uri="{FF2B5EF4-FFF2-40B4-BE49-F238E27FC236}">
-                <a16:creationId xmlns:a16="http://schemas.microsoft.com/office/drawing/2014/main" id="{88268D9D-2A46-D805-8980-91A4FEB52BA9}"/>
+                <a16:creationId xmlns:a16="http://schemas.microsoft.com/office/drawing/2014/main" id="{BE03F91E-FCC9-EC19-3C92-10230DB3789C}"/>
               </a:ext>
             </a:extLst>
           </p:cNvPr>
@@ -2116,7 +2116,7 @@
           <a:bodyPr/>
           <a:lstStyle/>
           <a:p>
-            <a:fld id="{F057175E-A750-45DA-9320-D2E135444B51}" type="slidenum">
+            <a:fld id="{84C3C9A1-F329-4E2A-BB9D-E238246D92A0}" type="slidenum">
               <a:rPr lang="zh-CN" altLang="en-US" smtClean="0"/>
               <a:t>‹#›</a:t>
             </a:fld>
@@ -2127,7 +2127,7 @@
     </p:spTree>
     <p:extLst>
       <p:ext uri="{BB962C8B-B14F-4D97-AF65-F5344CB8AC3E}">
-        <p14:creationId xmlns:p14="http://schemas.microsoft.com/office/powerpoint/2010/main" val="507563741"/>
+        <p14:creationId xmlns:p14="http://schemas.microsoft.com/office/powerpoint/2010/main" val="229013775"/>
       </p:ext>
     </p:extLst>
   </p:cSld>
@@ -2159,7 +2159,7 @@
           <p:cNvPr id="2" name="标题 1">
             <a:extLst>
               <a:ext uri="{FF2B5EF4-FFF2-40B4-BE49-F238E27FC236}">
-                <a16:creationId xmlns:a16="http://schemas.microsoft.com/office/drawing/2014/main" id="{A4458A29-1E51-E557-6E49-31ACA4A7C9E2}"/>
+                <a16:creationId xmlns:a16="http://schemas.microsoft.com/office/drawing/2014/main" id="{D8742B52-5A9A-2C17-4DCC-4A46DB1C7C00}"/>
               </a:ext>
             </a:extLst>
           </p:cNvPr>
@@ -2196,7 +2196,7 @@
           <p:cNvPr id="3" name="内容占位符 2">
             <a:extLst>
               <a:ext uri="{FF2B5EF4-FFF2-40B4-BE49-F238E27FC236}">
-                <a16:creationId xmlns:a16="http://schemas.microsoft.com/office/drawing/2014/main" id="{7E6193C8-E15C-8D9E-7465-7274FCFEAC44}"/>
+                <a16:creationId xmlns:a16="http://schemas.microsoft.com/office/drawing/2014/main" id="{029CB629-FD77-B40A-44D9-54E4D5067237}"/>
               </a:ext>
             </a:extLst>
           </p:cNvPr>
@@ -2286,7 +2286,7 @@
           <p:cNvPr id="4" name="文本占位符 3">
             <a:extLst>
               <a:ext uri="{FF2B5EF4-FFF2-40B4-BE49-F238E27FC236}">
-                <a16:creationId xmlns:a16="http://schemas.microsoft.com/office/drawing/2014/main" id="{37A3D870-9405-B9E8-B7D4-29F5CD48123C}"/>
+                <a16:creationId xmlns:a16="http://schemas.microsoft.com/office/drawing/2014/main" id="{57E85714-768B-496F-6CE0-845F4E452F37}"/>
               </a:ext>
             </a:extLst>
           </p:cNvPr>
@@ -2357,7 +2357,7 @@
           <p:cNvPr id="5" name="日期占位符 4">
             <a:extLst>
               <a:ext uri="{FF2B5EF4-FFF2-40B4-BE49-F238E27FC236}">
-                <a16:creationId xmlns:a16="http://schemas.microsoft.com/office/drawing/2014/main" id="{11DA6F8B-FA4E-7008-EF35-01AEFD31DF94}"/>
+                <a16:creationId xmlns:a16="http://schemas.microsoft.com/office/drawing/2014/main" id="{292D41E6-CC18-972F-A75E-F9DFFF28EA3D}"/>
               </a:ext>
             </a:extLst>
           </p:cNvPr>
@@ -2373,7 +2373,7 @@
           <a:bodyPr/>
           <a:lstStyle/>
           <a:p>
-            <a:fld id="{C7ABE610-924F-4F3A-BC3A-9CDAAA44E2AB}" type="datetimeFigureOut">
+            <a:fld id="{8AA75975-A17A-45E3-ACB4-EF7C03E424E7}" type="datetimeFigureOut">
               <a:rPr lang="zh-CN" altLang="en-US" smtClean="0"/>
               <a:t>2024/3/10</a:t>
             </a:fld>
@@ -2386,7 +2386,7 @@
           <p:cNvPr id="6" name="页脚占位符 5">
             <a:extLst>
               <a:ext uri="{FF2B5EF4-FFF2-40B4-BE49-F238E27FC236}">
-                <a16:creationId xmlns:a16="http://schemas.microsoft.com/office/drawing/2014/main" id="{34FABC30-154F-1EF6-B7AA-3D8890BB595E}"/>
+                <a16:creationId xmlns:a16="http://schemas.microsoft.com/office/drawing/2014/main" id="{203888F6-219E-0067-B350-8188AF2C4FEC}"/>
               </a:ext>
             </a:extLst>
           </p:cNvPr>
@@ -2411,7 +2411,7 @@
           <p:cNvPr id="7" name="灯片编号占位符 6">
             <a:extLst>
               <a:ext uri="{FF2B5EF4-FFF2-40B4-BE49-F238E27FC236}">
-                <a16:creationId xmlns:a16="http://schemas.microsoft.com/office/drawing/2014/main" id="{C23BDB19-C5B2-1D72-B400-722385A9F6C7}"/>
+                <a16:creationId xmlns:a16="http://schemas.microsoft.com/office/drawing/2014/main" id="{09FFA0A5-1FBA-9B09-A40D-305CE796E071}"/>
               </a:ext>
             </a:extLst>
           </p:cNvPr>
@@ -2427,7 +2427,7 @@
           <a:bodyPr/>
           <a:lstStyle/>
           <a:p>
-            <a:fld id="{F057175E-A750-45DA-9320-D2E135444B51}" type="slidenum">
+            <a:fld id="{84C3C9A1-F329-4E2A-BB9D-E238246D92A0}" type="slidenum">
               <a:rPr lang="zh-CN" altLang="en-US" smtClean="0"/>
               <a:t>‹#›</a:t>
             </a:fld>
@@ -2438,7 +2438,7 @@
     </p:spTree>
     <p:extLst>
       <p:ext uri="{BB962C8B-B14F-4D97-AF65-F5344CB8AC3E}">
-        <p14:creationId xmlns:p14="http://schemas.microsoft.com/office/powerpoint/2010/main" val="3102377792"/>
+        <p14:creationId xmlns:p14="http://schemas.microsoft.com/office/powerpoint/2010/main" val="142625748"/>
       </p:ext>
     </p:extLst>
   </p:cSld>
@@ -2470,7 +2470,7 @@
           <p:cNvPr id="2" name="标题 1">
             <a:extLst>
               <a:ext uri="{FF2B5EF4-FFF2-40B4-BE49-F238E27FC236}">
-                <a16:creationId xmlns:a16="http://schemas.microsoft.com/office/drawing/2014/main" id="{E3E75E45-E720-6816-EB48-B5ACB09A914D}"/>
+                <a16:creationId xmlns:a16="http://schemas.microsoft.com/office/drawing/2014/main" id="{360CB31A-A006-C43B-2ECD-BC0BAD3080A0}"/>
               </a:ext>
             </a:extLst>
           </p:cNvPr>
@@ -2507,7 +2507,7 @@
           <p:cNvPr id="3" name="图片占位符 2">
             <a:extLst>
               <a:ext uri="{FF2B5EF4-FFF2-40B4-BE49-F238E27FC236}">
-                <a16:creationId xmlns:a16="http://schemas.microsoft.com/office/drawing/2014/main" id="{6F088DF8-F5FB-DBC0-7931-616F91CC3FE3}"/>
+                <a16:creationId xmlns:a16="http://schemas.microsoft.com/office/drawing/2014/main" id="{B5C0829B-3291-B7C2-0CAC-4DE4DBB65B89}"/>
               </a:ext>
             </a:extLst>
           </p:cNvPr>
@@ -2574,7 +2574,7 @@
           <p:cNvPr id="4" name="文本占位符 3">
             <a:extLst>
               <a:ext uri="{FF2B5EF4-FFF2-40B4-BE49-F238E27FC236}">
-                <a16:creationId xmlns:a16="http://schemas.microsoft.com/office/drawing/2014/main" id="{61685354-2BA5-0D30-6F39-7ACDE3A0932A}"/>
+                <a16:creationId xmlns:a16="http://schemas.microsoft.com/office/drawing/2014/main" id="{718EBB5B-8BED-C66B-357C-7E3B8C19961A}"/>
               </a:ext>
             </a:extLst>
           </p:cNvPr>
@@ -2645,7 +2645,7 @@
           <p:cNvPr id="5" name="日期占位符 4">
             <a:extLst>
               <a:ext uri="{FF2B5EF4-FFF2-40B4-BE49-F238E27FC236}">
-                <a16:creationId xmlns:a16="http://schemas.microsoft.com/office/drawing/2014/main" id="{089D088D-6241-AFE9-1695-EBA2D494B0CB}"/>
+                <a16:creationId xmlns:a16="http://schemas.microsoft.com/office/drawing/2014/main" id="{DC44E354-0EAD-446F-A3D2-B5E2FD8E8C42}"/>
               </a:ext>
             </a:extLst>
           </p:cNvPr>
@@ -2661,7 +2661,7 @@
           <a:bodyPr/>
           <a:lstStyle/>
           <a:p>
-            <a:fld id="{C7ABE610-924F-4F3A-BC3A-9CDAAA44E2AB}" type="datetimeFigureOut">
+            <a:fld id="{8AA75975-A17A-45E3-ACB4-EF7C03E424E7}" type="datetimeFigureOut">
               <a:rPr lang="zh-CN" altLang="en-US" smtClean="0"/>
               <a:t>2024/3/10</a:t>
             </a:fld>
@@ -2674,7 +2674,7 @@
           <p:cNvPr id="6" name="页脚占位符 5">
             <a:extLst>
               <a:ext uri="{FF2B5EF4-FFF2-40B4-BE49-F238E27FC236}">
-                <a16:creationId xmlns:a16="http://schemas.microsoft.com/office/drawing/2014/main" id="{0360A0B6-0683-E718-701D-A974E0BBDCC1}"/>
+                <a16:creationId xmlns:a16="http://schemas.microsoft.com/office/drawing/2014/main" id="{D3C4A612-634C-430C-8209-A9C255E4FF76}"/>
               </a:ext>
             </a:extLst>
           </p:cNvPr>
@@ -2699,7 +2699,7 @@
           <p:cNvPr id="7" name="灯片编号占位符 6">
             <a:extLst>
               <a:ext uri="{FF2B5EF4-FFF2-40B4-BE49-F238E27FC236}">
-                <a16:creationId xmlns:a16="http://schemas.microsoft.com/office/drawing/2014/main" id="{1043E223-D399-1058-E271-C5B2B81B0A7E}"/>
+                <a16:creationId xmlns:a16="http://schemas.microsoft.com/office/drawing/2014/main" id="{D80E529F-7B67-0DE7-90A7-926830E7A07E}"/>
               </a:ext>
             </a:extLst>
           </p:cNvPr>
@@ -2715,7 +2715,7 @@
           <a:bodyPr/>
           <a:lstStyle/>
           <a:p>
-            <a:fld id="{F057175E-A750-45DA-9320-D2E135444B51}" type="slidenum">
+            <a:fld id="{84C3C9A1-F329-4E2A-BB9D-E238246D92A0}" type="slidenum">
               <a:rPr lang="zh-CN" altLang="en-US" smtClean="0"/>
               <a:t>‹#›</a:t>
             </a:fld>
@@ -2726,7 +2726,7 @@
     </p:spTree>
     <p:extLst>
       <p:ext uri="{BB962C8B-B14F-4D97-AF65-F5344CB8AC3E}">
-        <p14:creationId xmlns:p14="http://schemas.microsoft.com/office/powerpoint/2010/main" val="2760288412"/>
+        <p14:creationId xmlns:p14="http://schemas.microsoft.com/office/powerpoint/2010/main" val="3177731238"/>
       </p:ext>
     </p:extLst>
   </p:cSld>
@@ -2763,7 +2763,7 @@
           <p:cNvPr id="2" name="标题占位符 1">
             <a:extLst>
               <a:ext uri="{FF2B5EF4-FFF2-40B4-BE49-F238E27FC236}">
-                <a16:creationId xmlns:a16="http://schemas.microsoft.com/office/drawing/2014/main" id="{EB643F31-6E06-5EF9-E9AC-B63AC70E78D8}"/>
+                <a16:creationId xmlns:a16="http://schemas.microsoft.com/office/drawing/2014/main" id="{8D099E54-13EA-388F-15D0-EBF61B1D94E2}"/>
               </a:ext>
             </a:extLst>
           </p:cNvPr>
@@ -2801,7 +2801,7 @@
           <p:cNvPr id="3" name="文本占位符 2">
             <a:extLst>
               <a:ext uri="{FF2B5EF4-FFF2-40B4-BE49-F238E27FC236}">
-                <a16:creationId xmlns:a16="http://schemas.microsoft.com/office/drawing/2014/main" id="{53C84A9F-518F-882A-9DB6-20B9590091C1}"/>
+                <a16:creationId xmlns:a16="http://schemas.microsoft.com/office/drawing/2014/main" id="{58AB7ABF-D3D4-E93D-0F3F-D52140379E8B}"/>
               </a:ext>
             </a:extLst>
           </p:cNvPr>
@@ -2868,7 +2868,7 @@
           <p:cNvPr id="4" name="日期占位符 3">
             <a:extLst>
               <a:ext uri="{FF2B5EF4-FFF2-40B4-BE49-F238E27FC236}">
-                <a16:creationId xmlns:a16="http://schemas.microsoft.com/office/drawing/2014/main" id="{F238E3DA-8F45-F788-32E2-C9AF06D737FF}"/>
+                <a16:creationId xmlns:a16="http://schemas.microsoft.com/office/drawing/2014/main" id="{5C5B3389-E04C-BE77-2082-46B7A1B49244}"/>
               </a:ext>
             </a:extLst>
           </p:cNvPr>
@@ -2902,7 +2902,7 @@
             </a:lvl1pPr>
           </a:lstStyle>
           <a:p>
-            <a:fld id="{C7ABE610-924F-4F3A-BC3A-9CDAAA44E2AB}" type="datetimeFigureOut">
+            <a:fld id="{8AA75975-A17A-45E3-ACB4-EF7C03E424E7}" type="datetimeFigureOut">
               <a:rPr lang="zh-CN" altLang="en-US" smtClean="0"/>
               <a:t>2024/3/10</a:t>
             </a:fld>
@@ -2915,7 +2915,7 @@
           <p:cNvPr id="5" name="页脚占位符 4">
             <a:extLst>
               <a:ext uri="{FF2B5EF4-FFF2-40B4-BE49-F238E27FC236}">
-                <a16:creationId xmlns:a16="http://schemas.microsoft.com/office/drawing/2014/main" id="{416BF632-D8F9-4E12-5753-34590D11A513}"/>
+                <a16:creationId xmlns:a16="http://schemas.microsoft.com/office/drawing/2014/main" id="{0ABEB327-0152-D55F-F202-F198B93337D0}"/>
               </a:ext>
             </a:extLst>
           </p:cNvPr>
@@ -2958,7 +2958,7 @@
           <p:cNvPr id="6" name="灯片编号占位符 5">
             <a:extLst>
               <a:ext uri="{FF2B5EF4-FFF2-40B4-BE49-F238E27FC236}">
-                <a16:creationId xmlns:a16="http://schemas.microsoft.com/office/drawing/2014/main" id="{3CC23989-28EE-BC41-0DCA-E9372E5D0932}"/>
+                <a16:creationId xmlns:a16="http://schemas.microsoft.com/office/drawing/2014/main" id="{87BDAD3E-7112-227F-FACB-7E0D54D199F4}"/>
               </a:ext>
             </a:extLst>
           </p:cNvPr>
@@ -2992,7 +2992,7 @@
             </a:lvl1pPr>
           </a:lstStyle>
           <a:p>
-            <a:fld id="{F057175E-A750-45DA-9320-D2E135444B51}" type="slidenum">
+            <a:fld id="{84C3C9A1-F329-4E2A-BB9D-E238246D92A0}" type="slidenum">
               <a:rPr lang="zh-CN" altLang="en-US" smtClean="0"/>
               <a:t>‹#›</a:t>
             </a:fld>
@@ -3003,7 +3003,7 @@
     </p:spTree>
     <p:extLst>
       <p:ext uri="{BB962C8B-B14F-4D97-AF65-F5344CB8AC3E}">
-        <p14:creationId xmlns:p14="http://schemas.microsoft.com/office/powerpoint/2010/main" val="76054174"/>
+        <p14:creationId xmlns:p14="http://schemas.microsoft.com/office/powerpoint/2010/main" val="2783612381"/>
       </p:ext>
     </p:extLst>
   </p:cSld>
@@ -3323,7 +3323,7 @@
       </p:grpSpPr>
       <p:pic>
         <p:nvPicPr>
-          <p:cNvPr id="1244162" name="Picture 2" descr="1214"/>
+          <p:cNvPr id="1245186" name="Picture 2" descr="1215"/>
           <p:cNvPicPr>
             <a:picLocks noChangeAspect="1" noChangeArrowheads="1"/>
           </p:cNvPicPr>
@@ -3344,8 +3344,8 @@
         </p:blipFill>
         <p:spPr bwMode="auto">
           <a:xfrm>
-            <a:off x="1524000" y="1"/>
-            <a:ext cx="9124950" cy="6843713"/>
+            <a:off x="1524000" y="0"/>
+            <a:ext cx="9144000" cy="6789738"/>
           </a:xfrm>
           <a:prstGeom prst="rect">
             <a:avLst/>
